--- a/Yoga Workshop (4).pptx
+++ b/Yoga Workshop (4).pptx
@@ -163,10 +163,9 @@
           </a:lstStyle>
           <a:p>
             <a:r>
-              <a:rPr lang="pl-PL" smtClean="0"/>
+              <a:rPr lang="pl-PL"/>
               <a:t>Kliknij, aby edytować styl</a:t>
             </a:r>
-            <a:endParaRPr lang="pl-PL"/>
           </a:p>
         </p:txBody>
       </p:sp>
@@ -228,10 +227,9 @@
           </a:lstStyle>
           <a:p>
             <a:r>
-              <a:rPr lang="pl-PL" smtClean="0"/>
+              <a:rPr lang="pl-PL"/>
               <a:t>Kliknij, aby edytować styl wzorca podtytułu</a:t>
             </a:r>
-            <a:endParaRPr lang="pl-PL"/>
           </a:p>
         </p:txBody>
       </p:sp>
@@ -252,7 +250,7 @@
           <a:p>
             <a:fld id="{6AB417C4-A0CF-48B8-9908-271F8C538E7C}" type="datetimeFigureOut">
               <a:rPr lang="pl-PL" smtClean="0"/>
-              <a:t>2018-04-21</a:t>
+              <a:t>21.04.2018</a:t>
             </a:fld>
             <a:endParaRPr lang="pl-PL"/>
           </a:p>
@@ -346,10 +344,9 @@
           <a:lstStyle/>
           <a:p>
             <a:r>
-              <a:rPr lang="pl-PL" smtClean="0"/>
+              <a:rPr lang="pl-PL"/>
               <a:t>Kliknij, aby edytować styl</a:t>
             </a:r>
-            <a:endParaRPr lang="pl-PL"/>
           </a:p>
         </p:txBody>
       </p:sp>
@@ -370,38 +367,37 @@
           <a:p>
             <a:pPr lvl="0"/>
             <a:r>
-              <a:rPr lang="pl-PL" smtClean="0"/>
+              <a:rPr lang="pl-PL"/>
               <a:t>Kliknij, aby edytować style wzorca tekstu</a:t>
             </a:r>
           </a:p>
           <a:p>
             <a:pPr lvl="1"/>
             <a:r>
-              <a:rPr lang="pl-PL" smtClean="0"/>
+              <a:rPr lang="pl-PL"/>
               <a:t>Drugi poziom</a:t>
             </a:r>
           </a:p>
           <a:p>
             <a:pPr lvl="2"/>
             <a:r>
-              <a:rPr lang="pl-PL" smtClean="0"/>
+              <a:rPr lang="pl-PL"/>
               <a:t>Trzeci poziom</a:t>
             </a:r>
           </a:p>
           <a:p>
             <a:pPr lvl="3"/>
             <a:r>
-              <a:rPr lang="pl-PL" smtClean="0"/>
+              <a:rPr lang="pl-PL"/>
               <a:t>Czwarty poziom</a:t>
             </a:r>
           </a:p>
           <a:p>
             <a:pPr lvl="4"/>
             <a:r>
-              <a:rPr lang="pl-PL" smtClean="0"/>
+              <a:rPr lang="pl-PL"/>
               <a:t>Piąty poziom</a:t>
             </a:r>
-            <a:endParaRPr lang="pl-PL"/>
           </a:p>
         </p:txBody>
       </p:sp>
@@ -422,7 +418,7 @@
           <a:p>
             <a:fld id="{6AB417C4-A0CF-48B8-9908-271F8C538E7C}" type="datetimeFigureOut">
               <a:rPr lang="pl-PL" smtClean="0"/>
-              <a:t>2018-04-21</a:t>
+              <a:t>21.04.2018</a:t>
             </a:fld>
             <a:endParaRPr lang="pl-PL"/>
           </a:p>
@@ -521,10 +517,9 @@
           <a:lstStyle/>
           <a:p>
             <a:r>
-              <a:rPr lang="pl-PL" smtClean="0"/>
+              <a:rPr lang="pl-PL"/>
               <a:t>Kliknij, aby edytować styl</a:t>
             </a:r>
-            <a:endParaRPr lang="pl-PL"/>
           </a:p>
         </p:txBody>
       </p:sp>
@@ -550,38 +545,37 @@
           <a:p>
             <a:pPr lvl="0"/>
             <a:r>
-              <a:rPr lang="pl-PL" smtClean="0"/>
+              <a:rPr lang="pl-PL"/>
               <a:t>Kliknij, aby edytować style wzorca tekstu</a:t>
             </a:r>
           </a:p>
           <a:p>
             <a:pPr lvl="1"/>
             <a:r>
-              <a:rPr lang="pl-PL" smtClean="0"/>
+              <a:rPr lang="pl-PL"/>
               <a:t>Drugi poziom</a:t>
             </a:r>
           </a:p>
           <a:p>
             <a:pPr lvl="2"/>
             <a:r>
-              <a:rPr lang="pl-PL" smtClean="0"/>
+              <a:rPr lang="pl-PL"/>
               <a:t>Trzeci poziom</a:t>
             </a:r>
           </a:p>
           <a:p>
             <a:pPr lvl="3"/>
             <a:r>
-              <a:rPr lang="pl-PL" smtClean="0"/>
+              <a:rPr lang="pl-PL"/>
               <a:t>Czwarty poziom</a:t>
             </a:r>
           </a:p>
           <a:p>
             <a:pPr lvl="4"/>
             <a:r>
-              <a:rPr lang="pl-PL" smtClean="0"/>
+              <a:rPr lang="pl-PL"/>
               <a:t>Piąty poziom</a:t>
             </a:r>
-            <a:endParaRPr lang="pl-PL"/>
           </a:p>
         </p:txBody>
       </p:sp>
@@ -602,7 +596,7 @@
           <a:p>
             <a:fld id="{6AB417C4-A0CF-48B8-9908-271F8C538E7C}" type="datetimeFigureOut">
               <a:rPr lang="pl-PL" smtClean="0"/>
-              <a:t>2018-04-21</a:t>
+              <a:t>21.04.2018</a:t>
             </a:fld>
             <a:endParaRPr lang="pl-PL"/>
           </a:p>
@@ -696,10 +690,9 @@
           <a:lstStyle/>
           <a:p>
             <a:r>
-              <a:rPr lang="pl-PL" smtClean="0"/>
+              <a:rPr lang="pl-PL"/>
               <a:t>Kliknij, aby edytować styl</a:t>
             </a:r>
-            <a:endParaRPr lang="pl-PL"/>
           </a:p>
         </p:txBody>
       </p:sp>
@@ -720,38 +713,37 @@
           <a:p>
             <a:pPr lvl="0"/>
             <a:r>
-              <a:rPr lang="pl-PL" smtClean="0"/>
+              <a:rPr lang="pl-PL"/>
               <a:t>Kliknij, aby edytować style wzorca tekstu</a:t>
             </a:r>
           </a:p>
           <a:p>
             <a:pPr lvl="1"/>
             <a:r>
-              <a:rPr lang="pl-PL" smtClean="0"/>
+              <a:rPr lang="pl-PL"/>
               <a:t>Drugi poziom</a:t>
             </a:r>
           </a:p>
           <a:p>
             <a:pPr lvl="2"/>
             <a:r>
-              <a:rPr lang="pl-PL" smtClean="0"/>
+              <a:rPr lang="pl-PL"/>
               <a:t>Trzeci poziom</a:t>
             </a:r>
           </a:p>
           <a:p>
             <a:pPr lvl="3"/>
             <a:r>
-              <a:rPr lang="pl-PL" smtClean="0"/>
+              <a:rPr lang="pl-PL"/>
               <a:t>Czwarty poziom</a:t>
             </a:r>
           </a:p>
           <a:p>
             <a:pPr lvl="4"/>
             <a:r>
-              <a:rPr lang="pl-PL" smtClean="0"/>
+              <a:rPr lang="pl-PL"/>
               <a:t>Piąty poziom</a:t>
             </a:r>
-            <a:endParaRPr lang="pl-PL"/>
           </a:p>
         </p:txBody>
       </p:sp>
@@ -772,7 +764,7 @@
           <a:p>
             <a:fld id="{6AB417C4-A0CF-48B8-9908-271F8C538E7C}" type="datetimeFigureOut">
               <a:rPr lang="pl-PL" smtClean="0"/>
-              <a:t>2018-04-21</a:t>
+              <a:t>21.04.2018</a:t>
             </a:fld>
             <a:endParaRPr lang="pl-PL"/>
           </a:p>
@@ -875,10 +867,9 @@
           </a:lstStyle>
           <a:p>
             <a:r>
-              <a:rPr lang="pl-PL" smtClean="0"/>
+              <a:rPr lang="pl-PL"/>
               <a:t>Kliknij, aby edytować styl</a:t>
             </a:r>
-            <a:endParaRPr lang="pl-PL"/>
           </a:p>
         </p:txBody>
       </p:sp>
@@ -995,7 +986,7 @@
           <a:p>
             <a:pPr lvl="0"/>
             <a:r>
-              <a:rPr lang="pl-PL" smtClean="0"/>
+              <a:rPr lang="pl-PL"/>
               <a:t>Kliknij, aby edytować style wzorca tekstu</a:t>
             </a:r>
           </a:p>
@@ -1018,7 +1009,7 @@
           <a:p>
             <a:fld id="{6AB417C4-A0CF-48B8-9908-271F8C538E7C}" type="datetimeFigureOut">
               <a:rPr lang="pl-PL" smtClean="0"/>
-              <a:t>2018-04-21</a:t>
+              <a:t>21.04.2018</a:t>
             </a:fld>
             <a:endParaRPr lang="pl-PL"/>
           </a:p>
@@ -1112,10 +1103,9 @@
           <a:lstStyle/>
           <a:p>
             <a:r>
-              <a:rPr lang="pl-PL" smtClean="0"/>
+              <a:rPr lang="pl-PL"/>
               <a:t>Kliknij, aby edytować styl</a:t>
             </a:r>
-            <a:endParaRPr lang="pl-PL"/>
           </a:p>
         </p:txBody>
       </p:sp>
@@ -1141,38 +1131,37 @@
           <a:p>
             <a:pPr lvl="0"/>
             <a:r>
-              <a:rPr lang="pl-PL" smtClean="0"/>
+              <a:rPr lang="pl-PL"/>
               <a:t>Kliknij, aby edytować style wzorca tekstu</a:t>
             </a:r>
           </a:p>
           <a:p>
             <a:pPr lvl="1"/>
             <a:r>
-              <a:rPr lang="pl-PL" smtClean="0"/>
+              <a:rPr lang="pl-PL"/>
               <a:t>Drugi poziom</a:t>
             </a:r>
           </a:p>
           <a:p>
             <a:pPr lvl="2"/>
             <a:r>
-              <a:rPr lang="pl-PL" smtClean="0"/>
+              <a:rPr lang="pl-PL"/>
               <a:t>Trzeci poziom</a:t>
             </a:r>
           </a:p>
           <a:p>
             <a:pPr lvl="3"/>
             <a:r>
-              <a:rPr lang="pl-PL" smtClean="0"/>
+              <a:rPr lang="pl-PL"/>
               <a:t>Czwarty poziom</a:t>
             </a:r>
           </a:p>
           <a:p>
             <a:pPr lvl="4"/>
             <a:r>
-              <a:rPr lang="pl-PL" smtClean="0"/>
+              <a:rPr lang="pl-PL"/>
               <a:t>Piąty poziom</a:t>
             </a:r>
-            <a:endParaRPr lang="pl-PL"/>
           </a:p>
         </p:txBody>
       </p:sp>
@@ -1198,38 +1187,37 @@
           <a:p>
             <a:pPr lvl="0"/>
             <a:r>
-              <a:rPr lang="pl-PL" smtClean="0"/>
+              <a:rPr lang="pl-PL"/>
               <a:t>Kliknij, aby edytować style wzorca tekstu</a:t>
             </a:r>
           </a:p>
           <a:p>
             <a:pPr lvl="1"/>
             <a:r>
-              <a:rPr lang="pl-PL" smtClean="0"/>
+              <a:rPr lang="pl-PL"/>
               <a:t>Drugi poziom</a:t>
             </a:r>
           </a:p>
           <a:p>
             <a:pPr lvl="2"/>
             <a:r>
-              <a:rPr lang="pl-PL" smtClean="0"/>
+              <a:rPr lang="pl-PL"/>
               <a:t>Trzeci poziom</a:t>
             </a:r>
           </a:p>
           <a:p>
             <a:pPr lvl="3"/>
             <a:r>
-              <a:rPr lang="pl-PL" smtClean="0"/>
+              <a:rPr lang="pl-PL"/>
               <a:t>Czwarty poziom</a:t>
             </a:r>
           </a:p>
           <a:p>
             <a:pPr lvl="4"/>
             <a:r>
-              <a:rPr lang="pl-PL" smtClean="0"/>
+              <a:rPr lang="pl-PL"/>
               <a:t>Piąty poziom</a:t>
             </a:r>
-            <a:endParaRPr lang="pl-PL"/>
           </a:p>
         </p:txBody>
       </p:sp>
@@ -1250,7 +1238,7 @@
           <a:p>
             <a:fld id="{6AB417C4-A0CF-48B8-9908-271F8C538E7C}" type="datetimeFigureOut">
               <a:rPr lang="pl-PL" smtClean="0"/>
-              <a:t>2018-04-21</a:t>
+              <a:t>21.04.2018</a:t>
             </a:fld>
             <a:endParaRPr lang="pl-PL"/>
           </a:p>
@@ -1349,10 +1337,9 @@
           <a:lstStyle/>
           <a:p>
             <a:r>
-              <a:rPr lang="pl-PL" smtClean="0"/>
+              <a:rPr lang="pl-PL"/>
               <a:t>Kliknij, aby edytować styl</a:t>
             </a:r>
-            <a:endParaRPr lang="pl-PL"/>
           </a:p>
         </p:txBody>
       </p:sp>
@@ -1415,7 +1402,7 @@
           <a:p>
             <a:pPr lvl="0"/>
             <a:r>
-              <a:rPr lang="pl-PL" smtClean="0"/>
+              <a:rPr lang="pl-PL"/>
               <a:t>Kliknij, aby edytować style wzorca tekstu</a:t>
             </a:r>
           </a:p>
@@ -1443,38 +1430,37 @@
           <a:p>
             <a:pPr lvl="0"/>
             <a:r>
-              <a:rPr lang="pl-PL" smtClean="0"/>
+              <a:rPr lang="pl-PL"/>
               <a:t>Kliknij, aby edytować style wzorca tekstu</a:t>
             </a:r>
           </a:p>
           <a:p>
             <a:pPr lvl="1"/>
             <a:r>
-              <a:rPr lang="pl-PL" smtClean="0"/>
+              <a:rPr lang="pl-PL"/>
               <a:t>Drugi poziom</a:t>
             </a:r>
           </a:p>
           <a:p>
             <a:pPr lvl="2"/>
             <a:r>
-              <a:rPr lang="pl-PL" smtClean="0"/>
+              <a:rPr lang="pl-PL"/>
               <a:t>Trzeci poziom</a:t>
             </a:r>
           </a:p>
           <a:p>
             <a:pPr lvl="3"/>
             <a:r>
-              <a:rPr lang="pl-PL" smtClean="0"/>
+              <a:rPr lang="pl-PL"/>
               <a:t>Czwarty poziom</a:t>
             </a:r>
           </a:p>
           <a:p>
             <a:pPr lvl="4"/>
             <a:r>
-              <a:rPr lang="pl-PL" smtClean="0"/>
+              <a:rPr lang="pl-PL"/>
               <a:t>Piąty poziom</a:t>
             </a:r>
-            <a:endParaRPr lang="pl-PL"/>
           </a:p>
         </p:txBody>
       </p:sp>
@@ -1537,7 +1523,7 @@
           <a:p>
             <a:pPr lvl="0"/>
             <a:r>
-              <a:rPr lang="pl-PL" smtClean="0"/>
+              <a:rPr lang="pl-PL"/>
               <a:t>Kliknij, aby edytować style wzorca tekstu</a:t>
             </a:r>
           </a:p>
@@ -1565,38 +1551,37 @@
           <a:p>
             <a:pPr lvl="0"/>
             <a:r>
-              <a:rPr lang="pl-PL" smtClean="0"/>
+              <a:rPr lang="pl-PL"/>
               <a:t>Kliknij, aby edytować style wzorca tekstu</a:t>
             </a:r>
           </a:p>
           <a:p>
             <a:pPr lvl="1"/>
             <a:r>
-              <a:rPr lang="pl-PL" smtClean="0"/>
+              <a:rPr lang="pl-PL"/>
               <a:t>Drugi poziom</a:t>
             </a:r>
           </a:p>
           <a:p>
             <a:pPr lvl="2"/>
             <a:r>
-              <a:rPr lang="pl-PL" smtClean="0"/>
+              <a:rPr lang="pl-PL"/>
               <a:t>Trzeci poziom</a:t>
             </a:r>
           </a:p>
           <a:p>
             <a:pPr lvl="3"/>
             <a:r>
-              <a:rPr lang="pl-PL" smtClean="0"/>
+              <a:rPr lang="pl-PL"/>
               <a:t>Czwarty poziom</a:t>
             </a:r>
           </a:p>
           <a:p>
             <a:pPr lvl="4"/>
             <a:r>
-              <a:rPr lang="pl-PL" smtClean="0"/>
+              <a:rPr lang="pl-PL"/>
               <a:t>Piąty poziom</a:t>
             </a:r>
-            <a:endParaRPr lang="pl-PL"/>
           </a:p>
         </p:txBody>
       </p:sp>
@@ -1617,7 +1602,7 @@
           <a:p>
             <a:fld id="{6AB417C4-A0CF-48B8-9908-271F8C538E7C}" type="datetimeFigureOut">
               <a:rPr lang="pl-PL" smtClean="0"/>
-              <a:t>2018-04-21</a:t>
+              <a:t>21.04.2018</a:t>
             </a:fld>
             <a:endParaRPr lang="pl-PL"/>
           </a:p>
@@ -1711,10 +1696,9 @@
           <a:lstStyle/>
           <a:p>
             <a:r>
-              <a:rPr lang="pl-PL" smtClean="0"/>
+              <a:rPr lang="pl-PL"/>
               <a:t>Kliknij, aby edytować styl</a:t>
             </a:r>
-            <a:endParaRPr lang="pl-PL"/>
           </a:p>
         </p:txBody>
       </p:sp>
@@ -1735,7 +1719,7 @@
           <a:p>
             <a:fld id="{6AB417C4-A0CF-48B8-9908-271F8C538E7C}" type="datetimeFigureOut">
               <a:rPr lang="pl-PL" smtClean="0"/>
-              <a:t>2018-04-21</a:t>
+              <a:t>21.04.2018</a:t>
             </a:fld>
             <a:endParaRPr lang="pl-PL"/>
           </a:p>
@@ -1830,7 +1814,7 @@
           <a:p>
             <a:fld id="{6AB417C4-A0CF-48B8-9908-271F8C538E7C}" type="datetimeFigureOut">
               <a:rPr lang="pl-PL" smtClean="0"/>
-              <a:t>2018-04-21</a:t>
+              <a:t>21.04.2018</a:t>
             </a:fld>
             <a:endParaRPr lang="pl-PL"/>
           </a:p>
@@ -1933,10 +1917,9 @@
           </a:lstStyle>
           <a:p>
             <a:r>
-              <a:rPr lang="pl-PL" smtClean="0"/>
+              <a:rPr lang="pl-PL"/>
               <a:t>Kliknij, aby edytować styl</a:t>
             </a:r>
-            <a:endParaRPr lang="pl-PL"/>
           </a:p>
         </p:txBody>
       </p:sp>
@@ -1990,38 +1973,37 @@
           <a:p>
             <a:pPr lvl="0"/>
             <a:r>
-              <a:rPr lang="pl-PL" smtClean="0"/>
+              <a:rPr lang="pl-PL"/>
               <a:t>Kliknij, aby edytować style wzorca tekstu</a:t>
             </a:r>
           </a:p>
           <a:p>
             <a:pPr lvl="1"/>
             <a:r>
-              <a:rPr lang="pl-PL" smtClean="0"/>
+              <a:rPr lang="pl-PL"/>
               <a:t>Drugi poziom</a:t>
             </a:r>
           </a:p>
           <a:p>
             <a:pPr lvl="2"/>
             <a:r>
-              <a:rPr lang="pl-PL" smtClean="0"/>
+              <a:rPr lang="pl-PL"/>
               <a:t>Trzeci poziom</a:t>
             </a:r>
           </a:p>
           <a:p>
             <a:pPr lvl="3"/>
             <a:r>
-              <a:rPr lang="pl-PL" smtClean="0"/>
+              <a:rPr lang="pl-PL"/>
               <a:t>Czwarty poziom</a:t>
             </a:r>
           </a:p>
           <a:p>
             <a:pPr lvl="4"/>
             <a:r>
-              <a:rPr lang="pl-PL" smtClean="0"/>
+              <a:rPr lang="pl-PL"/>
               <a:t>Piąty poziom</a:t>
             </a:r>
-            <a:endParaRPr lang="pl-PL"/>
           </a:p>
         </p:txBody>
       </p:sp>
@@ -2084,7 +2066,7 @@
           <a:p>
             <a:pPr lvl="0"/>
             <a:r>
-              <a:rPr lang="pl-PL" smtClean="0"/>
+              <a:rPr lang="pl-PL"/>
               <a:t>Kliknij, aby edytować style wzorca tekstu</a:t>
             </a:r>
           </a:p>
@@ -2107,7 +2089,7 @@
           <a:p>
             <a:fld id="{6AB417C4-A0CF-48B8-9908-271F8C538E7C}" type="datetimeFigureOut">
               <a:rPr lang="pl-PL" smtClean="0"/>
-              <a:t>2018-04-21</a:t>
+              <a:t>21.04.2018</a:t>
             </a:fld>
             <a:endParaRPr lang="pl-PL"/>
           </a:p>
@@ -2210,10 +2192,9 @@
           </a:lstStyle>
           <a:p>
             <a:r>
-              <a:rPr lang="pl-PL" smtClean="0"/>
+              <a:rPr lang="pl-PL"/>
               <a:t>Kliknij, aby edytować styl</a:t>
             </a:r>
-            <a:endParaRPr lang="pl-PL"/>
           </a:p>
         </p:txBody>
       </p:sp>
@@ -2337,7 +2318,7 @@
           <a:p>
             <a:pPr lvl="0"/>
             <a:r>
-              <a:rPr lang="pl-PL" smtClean="0"/>
+              <a:rPr lang="pl-PL"/>
               <a:t>Kliknij, aby edytować style wzorca tekstu</a:t>
             </a:r>
           </a:p>
@@ -2360,7 +2341,7 @@
           <a:p>
             <a:fld id="{6AB417C4-A0CF-48B8-9908-271F8C538E7C}" type="datetimeFigureOut">
               <a:rPr lang="pl-PL" smtClean="0"/>
-              <a:t>2018-04-21</a:t>
+              <a:t>21.04.2018</a:t>
             </a:fld>
             <a:endParaRPr lang="pl-PL"/>
           </a:p>
@@ -2469,10 +2450,9 @@
           <a:lstStyle/>
           <a:p>
             <a:r>
-              <a:rPr lang="pl-PL" smtClean="0"/>
+              <a:rPr lang="pl-PL"/>
               <a:t>Kliknij, aby edytować styl</a:t>
             </a:r>
-            <a:endParaRPr lang="pl-PL"/>
           </a:p>
         </p:txBody>
       </p:sp>
@@ -2503,38 +2483,37 @@
           <a:p>
             <a:pPr lvl="0"/>
             <a:r>
-              <a:rPr lang="pl-PL" smtClean="0"/>
+              <a:rPr lang="pl-PL"/>
               <a:t>Kliknij, aby edytować style wzorca tekstu</a:t>
             </a:r>
           </a:p>
           <a:p>
             <a:pPr lvl="1"/>
             <a:r>
-              <a:rPr lang="pl-PL" smtClean="0"/>
+              <a:rPr lang="pl-PL"/>
               <a:t>Drugi poziom</a:t>
             </a:r>
           </a:p>
           <a:p>
             <a:pPr lvl="2"/>
             <a:r>
-              <a:rPr lang="pl-PL" smtClean="0"/>
+              <a:rPr lang="pl-PL"/>
               <a:t>Trzeci poziom</a:t>
             </a:r>
           </a:p>
           <a:p>
             <a:pPr lvl="3"/>
             <a:r>
-              <a:rPr lang="pl-PL" smtClean="0"/>
+              <a:rPr lang="pl-PL"/>
               <a:t>Czwarty poziom</a:t>
             </a:r>
           </a:p>
           <a:p>
             <a:pPr lvl="4"/>
             <a:r>
-              <a:rPr lang="pl-PL" smtClean="0"/>
+              <a:rPr lang="pl-PL"/>
               <a:t>Piąty poziom</a:t>
             </a:r>
-            <a:endParaRPr lang="pl-PL"/>
           </a:p>
         </p:txBody>
       </p:sp>
@@ -2573,7 +2552,7 @@
           <a:p>
             <a:fld id="{6AB417C4-A0CF-48B8-9908-271F8C538E7C}" type="datetimeFigureOut">
               <a:rPr lang="pl-PL" smtClean="0"/>
-              <a:t>2018-04-21</a:t>
+              <a:t>21.04.2018</a:t>
             </a:fld>
             <a:endParaRPr lang="pl-PL"/>
           </a:p>
@@ -2999,18 +2978,13 @@
           <a:lstStyle/>
           <a:p>
             <a:r>
-              <a:rPr lang="pl-PL" b="1" dirty="0" smtClean="0">
+              <a:rPr lang="pl-PL" b="1" dirty="0">
                 <a:solidFill>
                   <a:srgbClr val="C00000"/>
                 </a:solidFill>
               </a:rPr>
               <a:t>Yoga Workshop</a:t>
             </a:r>
-            <a:endParaRPr lang="pl-PL" b="1" dirty="0">
-              <a:solidFill>
-                <a:srgbClr val="C00000"/>
-              </a:solidFill>
-            </a:endParaRPr>
           </a:p>
         </p:txBody>
       </p:sp>
@@ -3038,7 +3012,7 @@
           <a:p>
             <a:pPr algn="r"/>
             <a:r>
-              <a:rPr lang="pl-PL" dirty="0" smtClean="0"/>
+              <a:rPr lang="pl-PL" dirty="0"/>
               <a:t>Team :</a:t>
             </a:r>
           </a:p>
@@ -3113,13 +3087,6 @@
   <p:clrMapOvr>
     <a:masterClrMapping/>
   </p:clrMapOvr>
-  <p:timing>
-    <p:tnLst>
-      <p:par>
-        <p:cTn id="1" dur="indefinite" restart="never" nodeType="tmRoot"/>
-      </p:par>
-    </p:tnLst>
-  </p:timing>
 </p:sld>
 </file>
 
@@ -3165,7 +3132,7 @@
               <a:t>7. </a:t>
             </a:r>
             <a:r>
-              <a:rPr lang="pl-PL" b="1" dirty="0" smtClean="0">
+              <a:rPr lang="pl-PL" b="1" dirty="0">
                 <a:solidFill>
                   <a:srgbClr val="C00000"/>
                 </a:solidFill>
@@ -3173,7 +3140,7 @@
               <a:t>P</a:t>
             </a:r>
             <a:r>
-              <a:rPr lang="en-GB" b="1" dirty="0" err="1" smtClean="0">
+              <a:rPr lang="en-GB" b="1" dirty="0" err="1">
                 <a:solidFill>
                   <a:srgbClr val="C00000"/>
                 </a:solidFill>
@@ -3181,28 +3148,12 @@
               <a:t>lan</a:t>
             </a:r>
             <a:r>
-              <a:rPr lang="en-GB" b="1" dirty="0" smtClean="0">
-                <a:solidFill>
-                  <a:srgbClr val="C00000"/>
-                </a:solidFill>
-              </a:rPr>
-              <a:t> </a:t>
-            </a:r>
-            <a:r>
               <a:rPr lang="en-GB" b="1" dirty="0">
                 <a:solidFill>
                   <a:srgbClr val="C00000"/>
                 </a:solidFill>
               </a:rPr>
-              <a:t>for monitoring progress and </a:t>
-            </a:r>
-            <a:r>
-              <a:rPr lang="en-GB" b="1" dirty="0" smtClean="0">
-                <a:solidFill>
-                  <a:srgbClr val="C00000"/>
-                </a:solidFill>
-              </a:rPr>
-              <a:t>quality</a:t>
+              <a:t> for monitoring progress and quality</a:t>
             </a:r>
             <a:endParaRPr lang="pl-PL" b="1" dirty="0">
               <a:solidFill>
@@ -3260,13 +3211,6 @@
   <p:clrMapOvr>
     <a:masterClrMapping/>
   </p:clrMapOvr>
-  <p:timing>
-    <p:tnLst>
-      <p:par>
-        <p:cTn id="1" dur="indefinite" restart="never" nodeType="tmRoot"/>
-      </p:par>
-    </p:tnLst>
-  </p:timing>
 </p:sld>
 </file>
 
@@ -3319,7 +3263,7 @@
               <a:t>1. </a:t>
             </a:r>
             <a:r>
-              <a:rPr lang="pl-PL" b="1" dirty="0" smtClean="0">
+              <a:rPr lang="pl-PL" b="1" dirty="0">
                 <a:solidFill>
                   <a:srgbClr val="C00000"/>
                 </a:solidFill>
@@ -3327,7 +3271,7 @@
               <a:t>Yoga Workshop. P</a:t>
             </a:r>
             <a:r>
-              <a:rPr lang="en-GB" b="1" dirty="0" err="1" smtClean="0">
+              <a:rPr lang="en-GB" b="1" dirty="0" err="1">
                 <a:solidFill>
                   <a:srgbClr val="C00000"/>
                 </a:solidFill>
@@ -3335,7 +3279,7 @@
               <a:t>roject</a:t>
             </a:r>
             <a:r>
-              <a:rPr lang="en-GB" b="1" dirty="0" smtClean="0">
+              <a:rPr lang="en-GB" b="1" dirty="0">
                 <a:solidFill>
                   <a:srgbClr val="C00000"/>
                 </a:solidFill>
@@ -3401,38 +3345,38 @@
             <a:pPr marL="0" indent="0">
               <a:buNone/>
             </a:pPr>
-            <a:endParaRPr lang="pl-PL" b="1" dirty="0" smtClean="0"/>
+            <a:endParaRPr lang="pl-PL" b="1" dirty="0"/>
           </a:p>
           <a:p>
             <a:pPr marL="0" indent="0">
               <a:buNone/>
             </a:pPr>
             <a:r>
-              <a:rPr lang="pl-PL" b="1" dirty="0" err="1" smtClean="0"/>
+              <a:rPr lang="pl-PL" b="1" dirty="0" err="1"/>
               <a:t>Objective</a:t>
             </a:r>
             <a:r>
-              <a:rPr lang="pl-PL" b="1" dirty="0" smtClean="0"/>
+              <a:rPr lang="pl-PL" b="1" dirty="0"/>
               <a:t>: </a:t>
             </a:r>
             <a:r>
-              <a:rPr lang="en-US" dirty="0" err="1" smtClean="0"/>
+              <a:rPr lang="en-US" dirty="0" err="1"/>
               <a:t>promot</a:t>
             </a:r>
             <a:r>
-              <a:rPr lang="pl-PL" dirty="0" err="1" smtClean="0"/>
+              <a:rPr lang="pl-PL" dirty="0" err="1"/>
               <a:t>ion</a:t>
             </a:r>
             <a:r>
-              <a:rPr lang="pl-PL" dirty="0" smtClean="0"/>
+              <a:rPr lang="pl-PL" dirty="0"/>
               <a:t> of </a:t>
             </a:r>
             <a:r>
-              <a:rPr lang="en-US" dirty="0" smtClean="0"/>
+              <a:rPr lang="en-US" dirty="0"/>
               <a:t> healthy lifestyle</a:t>
             </a:r>
             <a:r>
-              <a:rPr lang="pl-PL" dirty="0" smtClean="0"/>
+              <a:rPr lang="pl-PL" dirty="0"/>
               <a:t>.</a:t>
             </a:r>
           </a:p>
@@ -3441,15 +3385,15 @@
               <a:buNone/>
             </a:pPr>
             <a:r>
-              <a:rPr lang="en-US" dirty="0" smtClean="0"/>
+              <a:rPr lang="en-US" dirty="0"/>
               <a:t> </a:t>
             </a:r>
             <a:r>
-              <a:rPr lang="en-US" b="1" dirty="0" smtClean="0"/>
+              <a:rPr lang="en-US" b="1" dirty="0"/>
               <a:t>What:</a:t>
             </a:r>
             <a:r>
-              <a:rPr lang="en-US" dirty="0" smtClean="0"/>
+              <a:rPr lang="en-US" dirty="0"/>
               <a:t> one day </a:t>
             </a:r>
             <a:r>
@@ -3457,37 +3401,37 @@
               <a:t>y</a:t>
             </a:r>
             <a:r>
-              <a:rPr lang="en-US" dirty="0" err="1" smtClean="0"/>
+              <a:rPr lang="en-US" dirty="0" err="1"/>
               <a:t>oga</a:t>
             </a:r>
             <a:r>
-              <a:rPr lang="en-US" dirty="0" smtClean="0"/>
+              <a:rPr lang="en-US" dirty="0"/>
               <a:t> training which includes exercises (relaxation, stretching) and lectures (meditation). </a:t>
             </a:r>
-            <a:endParaRPr lang="pl-PL" dirty="0" smtClean="0"/>
+            <a:endParaRPr lang="pl-PL" dirty="0"/>
           </a:p>
           <a:p>
             <a:pPr marL="0" indent="0">
               <a:buNone/>
             </a:pPr>
             <a:r>
-              <a:rPr lang="en-US" b="1" dirty="0" smtClean="0"/>
+              <a:rPr lang="en-US" b="1" dirty="0"/>
               <a:t>Who: </a:t>
             </a:r>
             <a:r>
-              <a:rPr lang="en-US" dirty="0" smtClean="0"/>
+              <a:rPr lang="en-US" dirty="0"/>
               <a:t>students, teachers, administrative </a:t>
             </a:r>
             <a:r>
-              <a:rPr lang="pl-PL" dirty="0" smtClean="0"/>
+              <a:rPr lang="pl-PL" dirty="0"/>
               <a:t>s</a:t>
             </a:r>
             <a:r>
-              <a:rPr lang="en-US" dirty="0" err="1" smtClean="0"/>
+              <a:rPr lang="en-US" dirty="0" err="1"/>
               <a:t>taff</a:t>
             </a:r>
             <a:r>
-              <a:rPr lang="pl-PL" dirty="0" smtClean="0"/>
+              <a:rPr lang="pl-PL" dirty="0"/>
               <a:t>.</a:t>
             </a:r>
           </a:p>
@@ -3496,67 +3440,59 @@
               <a:buNone/>
             </a:pPr>
             <a:r>
-              <a:rPr lang="en-US" b="1" dirty="0" smtClean="0"/>
+              <a:rPr lang="en-US" b="1" dirty="0"/>
               <a:t>Where:</a:t>
             </a:r>
             <a:r>
-              <a:rPr lang="en-US" dirty="0" smtClean="0"/>
+              <a:rPr lang="en-US" dirty="0"/>
               <a:t> Wroclaw University of Economics. </a:t>
             </a:r>
-            <a:endParaRPr lang="pl-PL" dirty="0" smtClean="0"/>
+            <a:endParaRPr lang="pl-PL" dirty="0"/>
           </a:p>
           <a:p>
             <a:pPr marL="0" indent="0">
               <a:buNone/>
             </a:pPr>
             <a:r>
-              <a:rPr lang="en-US" b="1" dirty="0" smtClean="0"/>
+              <a:rPr lang="en-US" b="1" dirty="0"/>
               <a:t>When:</a:t>
             </a:r>
             <a:r>
-              <a:rPr lang="en-US" dirty="0" smtClean="0"/>
+              <a:rPr lang="en-US" dirty="0"/>
               <a:t> the </a:t>
             </a:r>
             <a:r>
-              <a:rPr lang="pl-PL" dirty="0" smtClean="0"/>
+              <a:rPr lang="pl-PL" dirty="0"/>
               <a:t>29 </a:t>
             </a:r>
             <a:r>
-              <a:rPr lang="en-US" dirty="0" err="1" smtClean="0"/>
+              <a:rPr lang="en-US" dirty="0" err="1"/>
               <a:t>st</a:t>
             </a:r>
             <a:r>
-              <a:rPr lang="en-US" dirty="0" smtClean="0"/>
-              <a:t> </a:t>
-            </a:r>
-            <a:r>
-              <a:rPr lang="en-US" dirty="0" smtClean="0"/>
-              <a:t>of </a:t>
-            </a:r>
-            <a:r>
-              <a:rPr lang="pl-PL" dirty="0" err="1" smtClean="0"/>
+              <a:rPr lang="en-US" dirty="0"/>
+              <a:t> of </a:t>
+            </a:r>
+            <a:r>
+              <a:rPr lang="pl-PL" dirty="0" err="1"/>
               <a:t>September</a:t>
             </a:r>
             <a:r>
-              <a:rPr lang="en-US" dirty="0" smtClean="0"/>
-              <a:t> </a:t>
-            </a:r>
-            <a:r>
-              <a:rPr lang="en-US" dirty="0" smtClean="0"/>
-              <a:t>2018 (Saturday). </a:t>
-            </a:r>
-            <a:endParaRPr lang="pl-PL" dirty="0" smtClean="0"/>
+              <a:rPr lang="en-US" dirty="0"/>
+              <a:t> 2018 (Saturday). </a:t>
+            </a:r>
+            <a:endParaRPr lang="pl-PL" dirty="0"/>
           </a:p>
           <a:p>
             <a:pPr marL="0" indent="0">
               <a:buNone/>
             </a:pPr>
             <a:r>
-              <a:rPr lang="en-US" b="1" dirty="0" smtClean="0"/>
+              <a:rPr lang="en-US" b="1" dirty="0"/>
               <a:t>Whoa factor: </a:t>
             </a:r>
             <a:r>
-              <a:rPr lang="en-US" dirty="0" smtClean="0"/>
+              <a:rPr lang="en-US" dirty="0"/>
               <a:t>participants could learn how to reduce stress and fight insomnia, depression and back pain, improve condition, strength and flexibility for free.</a:t>
             </a:r>
             <a:endParaRPr lang="pl-PL" dirty="0"/>
@@ -3573,13 +3509,6 @@
   <p:clrMapOvr>
     <a:masterClrMapping/>
   </p:clrMapOvr>
-  <p:timing>
-    <p:tnLst>
-      <p:par>
-        <p:cTn id="1" dur="indefinite" restart="never" nodeType="tmRoot"/>
-      </p:par>
-    </p:tnLst>
-  </p:timing>
 </p:sld>
 </file>
 
@@ -3686,13 +3615,6 @@
   <p:clrMapOvr>
     <a:masterClrMapping/>
   </p:clrMapOvr>
-  <p:timing>
-    <p:tnLst>
-      <p:par>
-        <p:cTn id="1" dur="indefinite" restart="never" nodeType="tmRoot"/>
-      </p:par>
-    </p:tnLst>
-  </p:timing>
 </p:sld>
 </file>
 
@@ -3745,7 +3667,7 @@
               <a:t>2. </a:t>
             </a:r>
             <a:r>
-              <a:rPr lang="pl-PL" b="1" dirty="0" smtClean="0">
+              <a:rPr lang="pl-PL" b="1" dirty="0">
                 <a:solidFill>
                   <a:srgbClr val="C00000"/>
                 </a:solidFill>
@@ -3753,42 +3675,21 @@
               <a:t>Yoga Workshop </a:t>
             </a:r>
             <a:r>
-              <a:rPr lang="en-GB" b="1" dirty="0" smtClean="0">
-                <a:solidFill>
-                  <a:srgbClr val="C00000"/>
-                </a:solidFill>
-              </a:rPr>
-              <a:t>team </a:t>
-            </a:r>
-            <a:r>
               <a:rPr lang="en-GB" b="1" dirty="0">
                 <a:solidFill>
                   <a:srgbClr val="C00000"/>
                 </a:solidFill>
               </a:rPr>
-              <a:t>- roles and </a:t>
-            </a:r>
-            <a:r>
-              <a:rPr lang="en-GB" b="1" dirty="0" smtClean="0">
-                <a:solidFill>
-                  <a:srgbClr val="C00000"/>
-                </a:solidFill>
-              </a:rPr>
-              <a:t>skills</a:t>
-            </a:r>
-            <a:r>
-              <a:rPr lang="pl-PL" b="1" dirty="0" smtClean="0">
+              <a:t>team - roles and skills</a:t>
+            </a:r>
+            <a:r>
+              <a:rPr lang="pl-PL" b="1" dirty="0">
                 <a:solidFill>
                   <a:srgbClr val="C00000"/>
                 </a:solidFill>
               </a:rPr>
               <a:t> c.d.</a:t>
             </a:r>
-            <a:endParaRPr lang="pl-PL" b="1" dirty="0">
-              <a:solidFill>
-                <a:srgbClr val="C00000"/>
-              </a:solidFill>
-            </a:endParaRPr>
           </a:p>
         </p:txBody>
       </p:sp>
@@ -3827,13 +3728,6 @@
   <p:clrMapOvr>
     <a:masterClrMapping/>
   </p:clrMapOvr>
-  <p:timing>
-    <p:tnLst>
-      <p:par>
-        <p:cTn id="1" dur="indefinite" restart="never" nodeType="tmRoot"/>
-      </p:par>
-    </p:tnLst>
-  </p:timing>
 </p:sld>
 </file>
 
@@ -3878,7 +3772,7 @@
               <a:t>3. </a:t>
             </a:r>
             <a:r>
-              <a:rPr lang="pl-PL" b="1" dirty="0" smtClean="0">
+              <a:rPr lang="pl-PL" b="1" dirty="0">
                 <a:solidFill>
                   <a:srgbClr val="C00000"/>
                 </a:solidFill>
@@ -3886,28 +3780,12 @@
               <a:t>Yoga Workshop</a:t>
             </a:r>
             <a:r>
-              <a:rPr lang="en-GB" b="1" dirty="0" smtClean="0">
-                <a:solidFill>
-                  <a:srgbClr val="C00000"/>
-                </a:solidFill>
-              </a:rPr>
-              <a:t> </a:t>
-            </a:r>
-            <a:r>
               <a:rPr lang="en-GB" b="1" dirty="0">
                 <a:solidFill>
                   <a:srgbClr val="C00000"/>
                 </a:solidFill>
               </a:rPr>
-              <a:t>plan with tasks and </a:t>
-            </a:r>
-            <a:r>
-              <a:rPr lang="en-GB" b="1" dirty="0" smtClean="0">
-                <a:solidFill>
-                  <a:srgbClr val="C00000"/>
-                </a:solidFill>
-              </a:rPr>
-              <a:t>owners</a:t>
+              <a:t> plan with tasks and owners</a:t>
             </a:r>
             <a:endParaRPr lang="pl-PL" b="1" dirty="0">
               <a:solidFill>
@@ -3946,13 +3824,6 @@
   <p:clrMapOvr>
     <a:masterClrMapping/>
   </p:clrMapOvr>
-  <p:timing>
-    <p:tnLst>
-      <p:par>
-        <p:cTn id="1" dur="indefinite" restart="never" nodeType="tmRoot"/>
-      </p:par>
-    </p:tnLst>
-  </p:timing>
 </p:sld>
 </file>
 
@@ -4006,7 +3877,7 @@
               <a:t>B</a:t>
             </a:r>
             <a:r>
-              <a:rPr lang="en-GB" b="1" dirty="0" err="1" smtClean="0">
+              <a:rPr lang="en-GB" b="1" dirty="0" err="1">
                 <a:solidFill>
                   <a:srgbClr val="C00000"/>
                 </a:solidFill>
@@ -4036,7 +3907,11 @@
           <a:bodyPr/>
           <a:lstStyle/>
           <a:p>
-            <a:endParaRPr lang="pl-PL"/>
+            <a:r>
+              <a:rPr lang="pl-PL" dirty="0" err="1"/>
+              <a:t>sdasdasf</a:t>
+            </a:r>
+            <a:endParaRPr lang="pl-PL" dirty="0"/>
           </a:p>
         </p:txBody>
       </p:sp>
@@ -4055,7 +3930,11 @@
           <a:bodyPr/>
           <a:lstStyle/>
           <a:p>
-            <a:endParaRPr lang="pl-PL"/>
+            <a:r>
+              <a:rPr lang="pl-PL" dirty="0" err="1"/>
+              <a:t>vfadfavdv</a:t>
+            </a:r>
+            <a:endParaRPr lang="pl-PL" dirty="0"/>
           </a:p>
         </p:txBody>
       </p:sp>
@@ -4069,13 +3948,6 @@
   <p:clrMapOvr>
     <a:masterClrMapping/>
   </p:clrMapOvr>
-  <p:timing>
-    <p:tnLst>
-      <p:par>
-        <p:cTn id="1" dur="indefinite" restart="never" nodeType="tmRoot"/>
-      </p:par>
-    </p:tnLst>
-  </p:timing>
 </p:sld>
 </file>
 
@@ -4190,13 +4062,6 @@
   <p:clrMapOvr>
     <a:masterClrMapping/>
   </p:clrMapOvr>
-  <p:timing>
-    <p:tnLst>
-      <p:par>
-        <p:cTn id="1" dur="indefinite" restart="never" nodeType="tmRoot"/>
-      </p:par>
-    </p:tnLst>
-  </p:timing>
 </p:sld>
 </file>
 
@@ -4249,7 +4114,7 @@
               <a:t>5. </a:t>
             </a:r>
             <a:r>
-              <a:rPr lang="pl-PL" b="1" dirty="0" smtClean="0">
+              <a:rPr lang="pl-PL" b="1" dirty="0">
                 <a:solidFill>
                   <a:srgbClr val="C00000"/>
                 </a:solidFill>
@@ -4257,7 +4122,7 @@
               <a:t>R</a:t>
             </a:r>
             <a:r>
-              <a:rPr lang="en-GB" b="1" dirty="0" err="1" smtClean="0">
+              <a:rPr lang="en-GB" b="1" dirty="0" err="1">
                 <a:solidFill>
                   <a:srgbClr val="C00000"/>
                 </a:solidFill>
@@ -4265,7 +4130,7 @@
               <a:t>isks</a:t>
             </a:r>
             <a:r>
-              <a:rPr lang="en-GB" b="1" dirty="0" smtClean="0">
+              <a:rPr lang="en-GB" b="1" dirty="0">
                 <a:solidFill>
                   <a:srgbClr val="C00000"/>
                 </a:solidFill>
@@ -4273,34 +4138,13 @@
               <a:t> analysis</a:t>
             </a:r>
             <a:r>
-              <a:rPr lang="pl-PL" b="1" dirty="0" smtClean="0">
-                <a:solidFill>
-                  <a:srgbClr val="C00000"/>
-                </a:solidFill>
-              </a:rPr>
-              <a:t>. </a:t>
-            </a:r>
-            <a:r>
               <a:rPr lang="pl-PL" b="1" dirty="0">
                 <a:solidFill>
                   <a:srgbClr val="C00000"/>
                 </a:solidFill>
               </a:rPr>
-              <a:t>Risk </a:t>
-            </a:r>
-            <a:r>
-              <a:rPr lang="pl-PL" b="1" dirty="0" smtClean="0">
-                <a:solidFill>
-                  <a:srgbClr val="C00000"/>
-                </a:solidFill>
-              </a:rPr>
-              <a:t>Register</a:t>
-            </a:r>
-            <a:endParaRPr lang="pl-PL" b="1" dirty="0">
-              <a:solidFill>
-                <a:srgbClr val="C00000"/>
-              </a:solidFill>
-            </a:endParaRPr>
+              <a:t>. Risk Register</a:t>
+            </a:r>
           </a:p>
         </p:txBody>
       </p:sp>
@@ -4330,138 +4174,108 @@
               <a:buNone/>
             </a:pPr>
             <a:r>
-              <a:rPr lang="pl-PL" dirty="0" err="1" smtClean="0"/>
+              <a:rPr lang="pl-PL" dirty="0" err="1"/>
               <a:t>Description</a:t>
             </a:r>
             <a:r>
-              <a:rPr lang="pl-PL" dirty="0" smtClean="0"/>
+              <a:rPr lang="pl-PL" dirty="0"/>
               <a:t>: </a:t>
             </a:r>
             <a:r>
-              <a:rPr lang="pl-PL" dirty="0" err="1" smtClean="0"/>
+              <a:rPr lang="pl-PL" dirty="0" err="1"/>
               <a:t>Gym</a:t>
-            </a:r>
-            <a:r>
-              <a:rPr lang="pl-PL" dirty="0" smtClean="0"/>
-              <a:t> </a:t>
-            </a:r>
-            <a:r>
-              <a:rPr lang="pl-PL" dirty="0" err="1" smtClean="0"/>
-              <a:t>won’t</a:t>
-            </a:r>
-            <a:r>
-              <a:rPr lang="pl-PL" dirty="0" smtClean="0"/>
-              <a:t> be </a:t>
-            </a:r>
-            <a:r>
-              <a:rPr lang="pl-PL" dirty="0" err="1" smtClean="0"/>
-              <a:t>accessible</a:t>
-            </a:r>
-            <a:r>
-              <a:rPr lang="pl-PL" dirty="0" smtClean="0"/>
-              <a:t> </a:t>
-            </a:r>
-          </a:p>
-          <a:p>
-            <a:pPr marL="0" indent="0">
-              <a:buNone/>
-            </a:pPr>
-            <a:r>
-              <a:rPr lang="pl-PL" dirty="0" err="1" smtClean="0"/>
-              <a:t>Owner</a:t>
-            </a:r>
-            <a:r>
-              <a:rPr lang="pl-PL" dirty="0" smtClean="0"/>
-              <a:t>: </a:t>
-            </a:r>
-            <a:r>
-              <a:rPr lang="pl-PL" dirty="0" smtClean="0"/>
-              <a:t>Asia</a:t>
-            </a:r>
-            <a:endParaRPr lang="pl-PL" dirty="0" smtClean="0"/>
-          </a:p>
-          <a:p>
-            <a:pPr marL="0" indent="0">
-              <a:buNone/>
-            </a:pPr>
-            <a:r>
-              <a:rPr lang="en-US" dirty="0" smtClean="0"/>
-              <a:t>Risk Type</a:t>
-            </a:r>
-            <a:r>
-              <a:rPr lang="pl-PL" dirty="0" smtClean="0"/>
-              <a:t>:</a:t>
-            </a:r>
-            <a:r>
-              <a:rPr lang="en-US" dirty="0" smtClean="0"/>
-              <a:t> technical</a:t>
-            </a:r>
-            <a:endParaRPr lang="en-US" dirty="0"/>
-          </a:p>
-          <a:p>
-            <a:pPr marL="0" indent="0">
-              <a:buNone/>
-            </a:pPr>
-            <a:r>
-              <a:rPr lang="pl-PL" dirty="0" err="1" smtClean="0"/>
-              <a:t>Probability</a:t>
-            </a:r>
-            <a:r>
-              <a:rPr lang="pl-PL" dirty="0" smtClean="0"/>
-              <a:t> </a:t>
-            </a:r>
-            <a:r>
-              <a:rPr lang="pl-PL" dirty="0"/>
-              <a:t>of </a:t>
-            </a:r>
-            <a:r>
-              <a:rPr lang="pl-PL" dirty="0" err="1" smtClean="0"/>
-              <a:t>Occurrence</a:t>
-            </a:r>
-            <a:r>
-              <a:rPr lang="pl-PL" dirty="0" smtClean="0"/>
-              <a:t>:</a:t>
             </a:r>
             <a:r>
               <a:rPr lang="pl-PL" dirty="0"/>
               <a:t> </a:t>
             </a:r>
             <a:r>
-              <a:rPr lang="pl-PL" dirty="0" smtClean="0"/>
-              <a:t>Medium </a:t>
-            </a:r>
-          </a:p>
-          <a:p>
-            <a:pPr marL="0" indent="0">
-              <a:buNone/>
-            </a:pPr>
-            <a:r>
-              <a:rPr lang="pl-PL" dirty="0" err="1" smtClean="0"/>
-              <a:t>Severity</a:t>
-            </a:r>
-            <a:r>
-              <a:rPr lang="pl-PL" dirty="0" smtClean="0"/>
-              <a:t> </a:t>
+              <a:rPr lang="pl-PL" dirty="0" err="1"/>
+              <a:t>won’t</a:t>
             </a:r>
             <a:r>
               <a:rPr lang="pl-PL" dirty="0"/>
-              <a:t>of </a:t>
-            </a:r>
-            <a:r>
-              <a:rPr lang="pl-PL" dirty="0" err="1" smtClean="0"/>
-              <a:t>Effect</a:t>
+              <a:t> be </a:t>
+            </a:r>
+            <a:r>
+              <a:rPr lang="pl-PL" dirty="0" err="1"/>
+              <a:t>accessible</a:t>
             </a:r>
             <a:r>
               <a:rPr lang="pl-PL" dirty="0"/>
               <a:t> </a:t>
             </a:r>
-            <a:r>
-              <a:rPr lang="pl-PL" dirty="0" smtClean="0"/>
+          </a:p>
+          <a:p>
+            <a:pPr marL="0" indent="0">
+              <a:buNone/>
+            </a:pPr>
+            <a:r>
+              <a:rPr lang="pl-PL" dirty="0" err="1"/>
+              <a:t>Owner</a:t>
+            </a:r>
+            <a:r>
+              <a:rPr lang="pl-PL" dirty="0"/>
+              <a:t>: Asia</a:t>
+            </a:r>
+          </a:p>
+          <a:p>
+            <a:pPr marL="0" indent="0">
+              <a:buNone/>
+            </a:pPr>
+            <a:r>
+              <a:rPr lang="en-US" dirty="0"/>
+              <a:t>Risk Type</a:t>
+            </a:r>
+            <a:r>
+              <a:rPr lang="pl-PL" dirty="0"/>
+              <a:t>:</a:t>
+            </a:r>
+            <a:r>
+              <a:rPr lang="en-US" dirty="0"/>
+              <a:t> technical</a:t>
+            </a:r>
+          </a:p>
+          <a:p>
+            <a:pPr marL="0" indent="0">
+              <a:buNone/>
+            </a:pPr>
+            <a:r>
+              <a:rPr lang="pl-PL" dirty="0" err="1"/>
+              <a:t>Probability</a:t>
+            </a:r>
+            <a:r>
+              <a:rPr lang="pl-PL" dirty="0"/>
+              <a:t> of </a:t>
+            </a:r>
+            <a:r>
+              <a:rPr lang="pl-PL" dirty="0" err="1"/>
+              <a:t>Occurrence</a:t>
+            </a:r>
+            <a:r>
+              <a:rPr lang="pl-PL" dirty="0"/>
               <a:t>: Medium </a:t>
             </a:r>
+          </a:p>
+          <a:p>
+            <a:pPr marL="0" indent="0">
+              <a:buNone/>
+            </a:pPr>
+            <a:r>
+              <a:rPr lang="pl-PL" dirty="0" err="1"/>
+              <a:t>Severity</a:t>
+            </a:r>
             <a:r>
               <a:rPr lang="pl-PL" dirty="0"/>
-              <a:t>/ High</a:t>
+              <a:t> of </a:t>
+            </a:r>
+            <a:r>
+              <a:rPr lang="pl-PL" dirty="0" err="1"/>
+              <a:t>Effect</a:t>
+            </a:r>
+            <a:r>
+              <a:rPr lang="pl-PL" dirty="0"/>
+              <a:t> : Medium / High</a:t>
             </a:r>
           </a:p>
           <a:p>
@@ -4469,11 +4283,11 @@
               <a:buNone/>
             </a:pPr>
             <a:r>
-              <a:rPr lang="pl-PL" dirty="0" err="1" smtClean="0"/>
+              <a:rPr lang="pl-PL" dirty="0" err="1"/>
               <a:t>Mitigation</a:t>
             </a:r>
             <a:r>
-              <a:rPr lang="pl-PL" dirty="0" smtClean="0"/>
+              <a:rPr lang="pl-PL" dirty="0"/>
               <a:t> Plan: </a:t>
             </a:r>
             <a:r>
@@ -4502,13 +4316,6 @@
   <p:clrMapOvr>
     <a:masterClrMapping/>
   </p:clrMapOvr>
-  <p:timing>
-    <p:tnLst>
-      <p:par>
-        <p:cTn id="1" dur="indefinite" restart="never" nodeType="tmRoot"/>
-      </p:par>
-    </p:tnLst>
-  </p:timing>
 </p:sld>
 </file>
 
@@ -4561,7 +4368,7 @@
               <a:t>6. </a:t>
             </a:r>
             <a:r>
-              <a:rPr lang="pl-PL" b="1" dirty="0" smtClean="0">
+              <a:rPr lang="pl-PL" b="1" dirty="0">
                 <a:solidFill>
                   <a:srgbClr val="C00000"/>
                 </a:solidFill>
@@ -4569,7 +4376,7 @@
               <a:t>I</a:t>
             </a:r>
             <a:r>
-              <a:rPr lang="en-GB" b="1" dirty="0" err="1" smtClean="0">
+              <a:rPr lang="en-GB" b="1" dirty="0" err="1">
                 <a:solidFill>
                   <a:srgbClr val="C00000"/>
                 </a:solidFill>
@@ -4577,28 +4384,12 @@
               <a:t>dentification</a:t>
             </a:r>
             <a:r>
-              <a:rPr lang="en-GB" b="1" dirty="0" smtClean="0">
-                <a:solidFill>
-                  <a:srgbClr val="C00000"/>
-                </a:solidFill>
-              </a:rPr>
-              <a:t> </a:t>
-            </a:r>
-            <a:r>
               <a:rPr lang="en-GB" b="1" dirty="0">
                 <a:solidFill>
                   <a:srgbClr val="C00000"/>
                 </a:solidFill>
               </a:rPr>
-              <a:t>of stakeholders and possible </a:t>
-            </a:r>
-            <a:r>
-              <a:rPr lang="en-GB" b="1" dirty="0" smtClean="0">
-                <a:solidFill>
-                  <a:srgbClr val="C00000"/>
-                </a:solidFill>
-              </a:rPr>
-              <a:t>changes</a:t>
+              <a:t> of stakeholders and possible changes</a:t>
             </a:r>
             <a:endParaRPr lang="pl-PL" b="1" dirty="0">
               <a:solidFill>
@@ -4656,13 +4447,6 @@
   <p:clrMapOvr>
     <a:masterClrMapping/>
   </p:clrMapOvr>
-  <p:timing>
-    <p:tnLst>
-      <p:par>
-        <p:cTn id="1" dur="indefinite" restart="never" nodeType="tmRoot"/>
-      </p:par>
-    </p:tnLst>
-  </p:timing>
 </p:sld>
 </file>
 
